--- a/video/WS_presentacion.pptx
+++ b/video/WS_presentacion.pptx
@@ -6479,6 +6479,14 @@
   <p:clrMapOvr>
     <a:masterClrMapping/>
   </p:clrMapOvr>
+  <mc:AlternateContent xmlns:mc="http://schemas.openxmlformats.org/markup-compatibility/2006">
+    <mc:Choice xmlns:p14="http://schemas.microsoft.com/office/powerpoint/2010/main" Requires="p14">
+      <p:transition spd="slow" p14:dur="2000" advTm="5066"/>
+    </mc:Choice>
+    <mc:Fallback>
+      <p:transition spd="slow" advTm="5066"/>
+    </mc:Fallback>
+  </mc:AlternateContent>
 </p:sld>
 </file>
 
@@ -6854,6 +6862,14 @@
   <p:clrMapOvr>
     <a:masterClrMapping/>
   </p:clrMapOvr>
+  <mc:AlternateContent xmlns:mc="http://schemas.openxmlformats.org/markup-compatibility/2006">
+    <mc:Choice xmlns:p14="http://schemas.microsoft.com/office/powerpoint/2010/main" Requires="p14">
+      <p:transition spd="slow" p14:dur="2000" advTm="32150"/>
+    </mc:Choice>
+    <mc:Fallback>
+      <p:transition spd="slow" advTm="32150"/>
+    </mc:Fallback>
+  </mc:AlternateContent>
 </p:sld>
 </file>
 
@@ -7383,7 +7399,10 @@
               <a:rPr lang="es-ES" dirty="0" err="1"/>
               <a:t>Dataset</a:t>
             </a:r>
-            <a:endParaRPr lang="es-ES" dirty="0"/>
+            <a:r>
+              <a:rPr lang="es-ES" dirty="0"/>
+              <a:t> (I)</a:t>
+            </a:r>
           </a:p>
         </p:txBody>
       </p:sp>
@@ -7669,7 +7688,10 @@
               <a:rPr lang="es-ES" dirty="0" err="1"/>
               <a:t>Dataset</a:t>
             </a:r>
-            <a:endParaRPr lang="es-ES" dirty="0"/>
+            <a:r>
+              <a:rPr lang="es-ES" dirty="0"/>
+              <a:t> (II)</a:t>
+            </a:r>
           </a:p>
         </p:txBody>
       </p:sp>
